--- a/07 - REST API/slides.pptx
+++ b/07 - REST API/slides.pptx
@@ -298,7 +298,7 @@
 <file path=ppt/revisionInfo.xml><?xml version="1.0" encoding="utf-8"?>
 <p1510:revInfo xmlns:a="http://schemas.openxmlformats.org/drawingml/2006/main" xmlns:r="http://schemas.openxmlformats.org/officeDocument/2006/relationships" xmlns:p1510="http://schemas.microsoft.com/office/powerpoint/2015/10/main">
   <p1510:revLst>
-    <p1510:client id="{E2960BBA-70D7-F948-BF62-A9BB95E6991B}" v="13" dt="2025-05-12T09:40:12.779"/>
+    <p1510:client id="{E2960BBA-70D7-F948-BF62-A9BB95E6991B}" v="14" dt="2025-05-21T12:57:34.263"/>
   </p1510:revLst>
 </p1510:revInfo>
 </file>
@@ -505,8 +505,8 @@
   </pc:docChgLst>
   <pc:docChgLst>
     <pc:chgData name="Riccardo Berta" userId="c8694f89-bba4-4576-b0a8-456619ca5a8c" providerId="ADAL" clId="{E2960BBA-70D7-F948-BF62-A9BB95E6991B}"/>
-    <pc:docChg chg="custSel modSld">
-      <pc:chgData name="Riccardo Berta" userId="c8694f89-bba4-4576-b0a8-456619ca5a8c" providerId="ADAL" clId="{E2960BBA-70D7-F948-BF62-A9BB95E6991B}" dt="2025-05-12T09:42:58.478" v="237" actId="1076"/>
+    <pc:docChg chg="undo custSel modSld">
+      <pc:chgData name="Riccardo Berta" userId="c8694f89-bba4-4576-b0a8-456619ca5a8c" providerId="ADAL" clId="{E2960BBA-70D7-F948-BF62-A9BB95E6991B}" dt="2025-05-21T12:57:37.061" v="239" actId="15"/>
       <pc:docMkLst>
         <pc:docMk/>
       </pc:docMkLst>
@@ -524,14 +524,6 @@
             <ac:picMk id="2" creationId="{FECFAF58-4637-491A-0180-1472E87FB770}"/>
           </ac:picMkLst>
         </pc:picChg>
-        <pc:picChg chg="del">
-          <ac:chgData name="Riccardo Berta" userId="c8694f89-bba4-4576-b0a8-456619ca5a8c" providerId="ADAL" clId="{E2960BBA-70D7-F948-BF62-A9BB95E6991B}" dt="2025-05-11T09:30:23.424" v="0" actId="478"/>
-          <ac:picMkLst>
-            <pc:docMk/>
-            <pc:sldMk cId="0" sldId="275"/>
-            <ac:picMk id="274" creationId="{00000000-0000-0000-0000-000000000000}"/>
-          </ac:picMkLst>
-        </pc:picChg>
       </pc:sldChg>
       <pc:sldChg chg="addSp delSp modSp mod">
         <pc:chgData name="Riccardo Berta" userId="c8694f89-bba4-4576-b0a8-456619ca5a8c" providerId="ADAL" clId="{E2960BBA-70D7-F948-BF62-A9BB95E6991B}" dt="2025-05-11T09:45:18.967" v="8" actId="14100"/>
@@ -545,14 +537,6 @@
             <pc:docMk/>
             <pc:sldMk cId="0" sldId="276"/>
             <ac:picMk id="2" creationId="{BDE33554-ED16-AAF6-CBD9-F3C766833418}"/>
-          </ac:picMkLst>
-        </pc:picChg>
-        <pc:picChg chg="del">
-          <ac:chgData name="Riccardo Berta" userId="c8694f89-bba4-4576-b0a8-456619ca5a8c" providerId="ADAL" clId="{E2960BBA-70D7-F948-BF62-A9BB95E6991B}" dt="2025-05-11T09:45:13.507" v="5" actId="478"/>
-          <ac:picMkLst>
-            <pc:docMk/>
-            <pc:sldMk cId="0" sldId="276"/>
-            <ac:picMk id="280" creationId="{00000000-0000-0000-0000-000000000000}"/>
           </ac:picMkLst>
         </pc:picChg>
       </pc:sldChg>
@@ -570,14 +554,6 @@
             <ac:picMk id="2" creationId="{7E9FE892-FE9D-48D9-4637-53D98638FFBE}"/>
           </ac:picMkLst>
         </pc:picChg>
-        <pc:picChg chg="del">
-          <ac:chgData name="Riccardo Berta" userId="c8694f89-bba4-4576-b0a8-456619ca5a8c" providerId="ADAL" clId="{E2960BBA-70D7-F948-BF62-A9BB95E6991B}" dt="2025-05-11T09:54:25.736" v="9" actId="478"/>
-          <ac:picMkLst>
-            <pc:docMk/>
-            <pc:sldMk cId="0" sldId="277"/>
-            <ac:picMk id="286" creationId="{00000000-0000-0000-0000-000000000000}"/>
-          </ac:picMkLst>
-        </pc:picChg>
       </pc:sldChg>
       <pc:sldChg chg="addSp delSp modSp mod">
         <pc:chgData name="Riccardo Berta" userId="c8694f89-bba4-4576-b0a8-456619ca5a8c" providerId="ADAL" clId="{E2960BBA-70D7-F948-BF62-A9BB95E6991B}" dt="2025-05-11T10:02:37.945" v="17" actId="14100"/>
@@ -593,17 +569,9 @@
             <ac:picMk id="2" creationId="{15AE6FED-05AE-12BC-0EF5-B1A0031C85A9}"/>
           </ac:picMkLst>
         </pc:picChg>
-        <pc:picChg chg="del">
-          <ac:chgData name="Riccardo Berta" userId="c8694f89-bba4-4576-b0a8-456619ca5a8c" providerId="ADAL" clId="{E2960BBA-70D7-F948-BF62-A9BB95E6991B}" dt="2025-05-11T10:02:33.305" v="14" actId="478"/>
-          <ac:picMkLst>
-            <pc:docMk/>
-            <pc:sldMk cId="0" sldId="278"/>
-            <ac:picMk id="292" creationId="{00000000-0000-0000-0000-000000000000}"/>
-          </ac:picMkLst>
-        </pc:picChg>
       </pc:sldChg>
       <pc:sldChg chg="addSp modSp mod">
-        <pc:chgData name="Riccardo Berta" userId="c8694f89-bba4-4576-b0a8-456619ca5a8c" providerId="ADAL" clId="{E2960BBA-70D7-F948-BF62-A9BB95E6991B}" dt="2025-05-11T18:06:35.969" v="36" actId="1076"/>
+        <pc:chgData name="Riccardo Berta" userId="c8694f89-bba4-4576-b0a8-456619ca5a8c" providerId="ADAL" clId="{E2960BBA-70D7-F948-BF62-A9BB95E6991B}" dt="2025-05-21T12:57:37.061" v="239" actId="15"/>
         <pc:sldMkLst>
           <pc:docMk/>
           <pc:sldMk cId="0" sldId="280"/>
@@ -617,7 +585,7 @@
           </ac:spMkLst>
         </pc:spChg>
         <pc:spChg chg="mod">
-          <ac:chgData name="Riccardo Berta" userId="c8694f89-bba4-4576-b0a8-456619ca5a8c" providerId="ADAL" clId="{E2960BBA-70D7-F948-BF62-A9BB95E6991B}" dt="2025-05-11T18:06:27.865" v="33" actId="14100"/>
+          <ac:chgData name="Riccardo Berta" userId="c8694f89-bba4-4576-b0a8-456619ca5a8c" providerId="ADAL" clId="{E2960BBA-70D7-F948-BF62-A9BB95E6991B}" dt="2025-05-21T12:57:37.061" v="239" actId="15"/>
           <ac:spMkLst>
             <pc:docMk/>
             <pc:sldMk cId="0" sldId="280"/>
@@ -639,14 +607,6 @@
           <pc:docMk/>
           <pc:sldMk cId="0" sldId="282"/>
         </pc:sldMkLst>
-        <pc:spChg chg="add del mod">
-          <ac:chgData name="Riccardo Berta" userId="c8694f89-bba4-4576-b0a8-456619ca5a8c" providerId="ADAL" clId="{E2960BBA-70D7-F948-BF62-A9BB95E6991B}" dt="2025-05-11T18:11:53.072" v="39"/>
-          <ac:spMkLst>
-            <pc:docMk/>
-            <pc:sldMk cId="0" sldId="282"/>
-            <ac:spMk id="2" creationId="{29214D25-012E-68B2-DBF2-9894850B829C}"/>
-          </ac:spMkLst>
-        </pc:spChg>
       </pc:sldChg>
       <pc:sldChg chg="addSp delSp modSp mod">
         <pc:chgData name="Riccardo Berta" userId="c8694f89-bba4-4576-b0a8-456619ca5a8c" providerId="ADAL" clId="{E2960BBA-70D7-F948-BF62-A9BB95E6991B}" dt="2025-05-11T18:26:28.899" v="49" actId="1076"/>
@@ -670,14 +630,6 @@
             <ac:picMk id="2" creationId="{94FD407F-3D5C-F4B7-6CCB-AE5F798B11EF}"/>
           </ac:picMkLst>
         </pc:picChg>
-        <pc:picChg chg="del">
-          <ac:chgData name="Riccardo Berta" userId="c8694f89-bba4-4576-b0a8-456619ca5a8c" providerId="ADAL" clId="{E2960BBA-70D7-F948-BF62-A9BB95E6991B}" dt="2025-05-11T18:26:00.184" v="40" actId="478"/>
-          <ac:picMkLst>
-            <pc:docMk/>
-            <pc:sldMk cId="0" sldId="283"/>
-            <ac:picMk id="325" creationId="{00000000-0000-0000-0000-000000000000}"/>
-          </ac:picMkLst>
-        </pc:picChg>
       </pc:sldChg>
       <pc:sldChg chg="addSp delSp modSp mod">
         <pc:chgData name="Riccardo Berta" userId="c8694f89-bba4-4576-b0a8-456619ca5a8c" providerId="ADAL" clId="{E2960BBA-70D7-F948-BF62-A9BB95E6991B}" dt="2025-05-12T08:36:55.183" v="52" actId="1076"/>
@@ -691,14 +643,6 @@
             <pc:docMk/>
             <pc:sldMk cId="0" sldId="284"/>
             <ac:picMk id="2" creationId="{F0A71D86-FA18-5B72-6FCD-F6B58DD3D550}"/>
-          </ac:picMkLst>
-        </pc:picChg>
-        <pc:picChg chg="del">
-          <ac:chgData name="Riccardo Berta" userId="c8694f89-bba4-4576-b0a8-456619ca5a8c" providerId="ADAL" clId="{E2960BBA-70D7-F948-BF62-A9BB95E6991B}" dt="2025-05-12T08:36:50.169" v="50" actId="478"/>
-          <ac:picMkLst>
-            <pc:docMk/>
-            <pc:sldMk cId="0" sldId="284"/>
-            <ac:picMk id="333" creationId="{00000000-0000-0000-0000-000000000000}"/>
           </ac:picMkLst>
         </pc:picChg>
       </pc:sldChg>
@@ -716,14 +660,6 @@
             <ac:picMk id="2" creationId="{E307B187-15B1-220E-9443-365728581981}"/>
           </ac:picMkLst>
         </pc:picChg>
-        <pc:picChg chg="del">
-          <ac:chgData name="Riccardo Berta" userId="c8694f89-bba4-4576-b0a8-456619ca5a8c" providerId="ADAL" clId="{E2960BBA-70D7-F948-BF62-A9BB95E6991B}" dt="2025-05-12T08:44:43.838" v="53" actId="478"/>
-          <ac:picMkLst>
-            <pc:docMk/>
-            <pc:sldMk cId="0" sldId="285"/>
-            <ac:picMk id="341" creationId="{00000000-0000-0000-0000-000000000000}"/>
-          </ac:picMkLst>
-        </pc:picChg>
       </pc:sldChg>
       <pc:sldChg chg="addSp delSp modSp mod">
         <pc:chgData name="Riccardo Berta" userId="c8694f89-bba4-4576-b0a8-456619ca5a8c" providerId="ADAL" clId="{E2960BBA-70D7-F948-BF62-A9BB95E6991B}" dt="2025-05-12T09:40:25.899" v="95" actId="1076"/>
@@ -739,28 +675,12 @@
             <ac:spMk id="348" creationId="{00000000-0000-0000-0000-000000000000}"/>
           </ac:spMkLst>
         </pc:spChg>
-        <pc:picChg chg="add del mod">
-          <ac:chgData name="Riccardo Berta" userId="c8694f89-bba4-4576-b0a8-456619ca5a8c" providerId="ADAL" clId="{E2960BBA-70D7-F948-BF62-A9BB95E6991B}" dt="2025-05-12T09:40:21.702" v="94" actId="478"/>
-          <ac:picMkLst>
-            <pc:docMk/>
-            <pc:sldMk cId="0" sldId="286"/>
-            <ac:picMk id="2" creationId="{7002CE53-5E23-CBF8-4385-4CA765CC8B77}"/>
-          </ac:picMkLst>
-        </pc:picChg>
         <pc:picChg chg="add mod">
           <ac:chgData name="Riccardo Berta" userId="c8694f89-bba4-4576-b0a8-456619ca5a8c" providerId="ADAL" clId="{E2960BBA-70D7-F948-BF62-A9BB95E6991B}" dt="2025-05-12T09:40:25.899" v="95" actId="1076"/>
           <ac:picMkLst>
             <pc:docMk/>
             <pc:sldMk cId="0" sldId="286"/>
             <ac:picMk id="3" creationId="{AF7DFDC5-E73E-026E-B5B0-38EEA1B4792C}"/>
-          </ac:picMkLst>
-        </pc:picChg>
-        <pc:picChg chg="del">
-          <ac:chgData name="Riccardo Berta" userId="c8694f89-bba4-4576-b0a8-456619ca5a8c" providerId="ADAL" clId="{E2960BBA-70D7-F948-BF62-A9BB95E6991B}" dt="2025-05-12T09:00:22.072" v="56" actId="478"/>
-          <ac:picMkLst>
-            <pc:docMk/>
-            <pc:sldMk cId="0" sldId="286"/>
-            <ac:picMk id="349" creationId="{00000000-0000-0000-0000-000000000000}"/>
           </ac:picMkLst>
         </pc:picChg>
       </pc:sldChg>
@@ -778,14 +698,6 @@
             <ac:spMk id="356" creationId="{00000000-0000-0000-0000-000000000000}"/>
           </ac:spMkLst>
         </pc:spChg>
-        <pc:picChg chg="del">
-          <ac:chgData name="Riccardo Berta" userId="c8694f89-bba4-4576-b0a8-456619ca5a8c" providerId="ADAL" clId="{E2960BBA-70D7-F948-BF62-A9BB95E6991B}" dt="2025-05-12T09:39:46.040" v="61" actId="478"/>
-          <ac:picMkLst>
-            <pc:docMk/>
-            <pc:sldMk cId="0" sldId="287"/>
-            <ac:picMk id="2" creationId="{676F9D82-05F9-CA84-CF72-6CC847D75077}"/>
-          </ac:picMkLst>
-        </pc:picChg>
         <pc:picChg chg="add mod">
           <ac:chgData name="Riccardo Berta" userId="c8694f89-bba4-4576-b0a8-456619ca5a8c" providerId="ADAL" clId="{E2960BBA-70D7-F948-BF62-A9BB95E6991B}" dt="2025-05-12T09:42:58.478" v="237" actId="1076"/>
           <ac:picMkLst>
@@ -19251,17 +19163,6 @@
 </file>
 
 <file path=customXml/item1.xml><?xml version="1.0" encoding="utf-8"?>
-<p:properties xmlns:p="http://schemas.microsoft.com/office/2006/metadata/properties" xmlns:xsi="http://www.w3.org/2001/XMLSchema-instance" xmlns:pc="http://schemas.microsoft.com/office/infopath/2007/PartnerControls">
-  <documentManagement>
-    <TaxCatchAll xmlns="e9b5433c-2372-4cb7-8bab-09518096b29b" xsi:nil="true"/>
-    <lcf76f155ced4ddcb4097134ff3c332f xmlns="3bd0d43f-5e5b-43cd-b6fc-691bd77672c6">
-      <Terms xmlns="http://schemas.microsoft.com/office/infopath/2007/PartnerControls"/>
-    </lcf76f155ced4ddcb4097134ff3c332f>
-  </documentManagement>
-</p:properties>
-</file>
-
-<file path=customXml/item2.xml><?xml version="1.0" encoding="utf-8"?>
 <?mso-contentType ?>
 <FormTemplates xmlns="http://schemas.microsoft.com/sharepoint/v3/contenttype/forms">
   <Display>DocumentLibraryForm</Display>
@@ -19270,7 +19171,7 @@
 </FormTemplates>
 </file>
 
-<file path=customXml/item3.xml><?xml version="1.0" encoding="utf-8"?>
+<file path=customXml/item2.xml><?xml version="1.0" encoding="utf-8"?>
 <ct:contentTypeSchema xmlns:ct="http://schemas.microsoft.com/office/2006/metadata/contentType" xmlns:ma="http://schemas.microsoft.com/office/2006/metadata/properties/metaAttributes" ct:_="" ma:_="" ma:contentTypeName="Documento" ma:contentTypeID="0x010100B8FA822B18A0634FB7342CF29752587A" ma:contentTypeVersion="13" ma:contentTypeDescription="Creare un nuovo documento." ma:contentTypeScope="" ma:versionID="5c5a1a1f66437ceed8e2102d49525b77">
   <xsd:schema xmlns:xsd="http://www.w3.org/2001/XMLSchema" xmlns:xs="http://www.w3.org/2001/XMLSchema" xmlns:p="http://schemas.microsoft.com/office/2006/metadata/properties" xmlns:ns2="3bd0d43f-5e5b-43cd-b6fc-691bd77672c6" xmlns:ns3="e9b5433c-2372-4cb7-8bab-09518096b29b" targetNamespace="http://schemas.microsoft.com/office/2006/metadata/properties" ma:root="true" ma:fieldsID="79bbaae61552c66980d55f32a6cab4b6" ns2:_="" ns3:_="">
     <xsd:import namespace="3bd0d43f-5e5b-43cd-b6fc-691bd77672c6"/>
@@ -19477,24 +19378,18 @@
 </ct:contentTypeSchema>
 </file>
 
-<file path=customXml/itemProps1.xml><?xml version="1.0" encoding="utf-8"?>
-<ds:datastoreItem xmlns:ds="http://schemas.openxmlformats.org/officeDocument/2006/customXml" ds:itemID="{0CB96569-105C-4583-9E41-BF281EEC1D28}">
-  <ds:schemaRefs>
-    <ds:schemaRef ds:uri="http://purl.org/dc/elements/1.1/"/>
-    <ds:schemaRef ds:uri="http://schemas.microsoft.com/office/2006/documentManagement/types"/>
-    <ds:schemaRef ds:uri="http://purl.org/dc/dcmitype/"/>
-    <ds:schemaRef ds:uri="http://schemas.openxmlformats.org/package/2006/metadata/core-properties"/>
-    <ds:schemaRef ds:uri="http://purl.org/dc/terms/"/>
-    <ds:schemaRef ds:uri="http://schemas.microsoft.com/office/infopath/2007/PartnerControls"/>
-    <ds:schemaRef ds:uri="http://schemas.microsoft.com/office/2006/metadata/properties"/>
-    <ds:schemaRef ds:uri="e9b5433c-2372-4cb7-8bab-09518096b29b"/>
-    <ds:schemaRef ds:uri="3bd0d43f-5e5b-43cd-b6fc-691bd77672c6"/>
-    <ds:schemaRef ds:uri="http://www.w3.org/XML/1998/namespace"/>
-  </ds:schemaRefs>
-</ds:datastoreItem>
+<file path=customXml/item3.xml><?xml version="1.0" encoding="utf-8"?>
+<p:properties xmlns:p="http://schemas.microsoft.com/office/2006/metadata/properties" xmlns:xsi="http://www.w3.org/2001/XMLSchema-instance" xmlns:pc="http://schemas.microsoft.com/office/infopath/2007/PartnerControls">
+  <documentManagement>
+    <TaxCatchAll xmlns="e9b5433c-2372-4cb7-8bab-09518096b29b" xsi:nil="true"/>
+    <lcf76f155ced4ddcb4097134ff3c332f xmlns="3bd0d43f-5e5b-43cd-b6fc-691bd77672c6">
+      <Terms xmlns="http://schemas.microsoft.com/office/infopath/2007/PartnerControls"/>
+    </lcf76f155ced4ddcb4097134ff3c332f>
+  </documentManagement>
+</p:properties>
 </file>
 
-<file path=customXml/itemProps2.xml><?xml version="1.0" encoding="utf-8"?>
+<file path=customXml/itemProps1.xml><?xml version="1.0" encoding="utf-8"?>
 <ds:datastoreItem xmlns:ds="http://schemas.openxmlformats.org/officeDocument/2006/customXml" ds:itemID="{C14B3305-D0E6-4F48-9520-76ED98929E01}">
   <ds:schemaRefs>
     <ds:schemaRef ds:uri="http://schemas.microsoft.com/sharepoint/v3/contenttype/forms"/>
@@ -19502,7 +19397,7 @@
 </ds:datastoreItem>
 </file>
 
-<file path=customXml/itemProps3.xml><?xml version="1.0" encoding="utf-8"?>
+<file path=customXml/itemProps2.xml><?xml version="1.0" encoding="utf-8"?>
 <ds:datastoreItem xmlns:ds="http://schemas.openxmlformats.org/officeDocument/2006/customXml" ds:itemID="{3F5176DD-53D8-486B-9D6D-D0D9A02E8D54}">
   <ds:schemaRefs>
     <ds:schemaRef ds:uri="http://schemas.microsoft.com/office/2006/metadata/contentType"/>
@@ -19519,4 +19414,21 @@
     <ds:schemaRef ds:uri="http://schemas.microsoft.com/internal/obd"/>
   </ds:schemaRefs>
 </ds:datastoreItem>
+</file>
+
+<file path=customXml/itemProps3.xml><?xml version="1.0" encoding="utf-8"?>
+<ds:datastoreItem xmlns:ds="http://schemas.openxmlformats.org/officeDocument/2006/customXml" ds:itemID="{0CB96569-105C-4583-9E41-BF281EEC1D28}">
+  <ds:schemaRefs>
+    <ds:schemaRef ds:uri="http://schemas.microsoft.com/office/2006/documentManagement/types"/>
+    <ds:schemaRef ds:uri="3bd0d43f-5e5b-43cd-b6fc-691bd77672c6"/>
+    <ds:schemaRef ds:uri="http://schemas.microsoft.com/office/2006/metadata/properties"/>
+    <ds:schemaRef ds:uri="http://www.w3.org/XML/1998/namespace"/>
+    <ds:schemaRef ds:uri="http://purl.org/dc/terms/"/>
+    <ds:schemaRef ds:uri="http://purl.org/dc/elements/1.1/"/>
+    <ds:schemaRef ds:uri="http://schemas.microsoft.com/office/infopath/2007/PartnerControls"/>
+    <ds:schemaRef ds:uri="http://schemas.openxmlformats.org/package/2006/metadata/core-properties"/>
+    <ds:schemaRef ds:uri="e9b5433c-2372-4cb7-8bab-09518096b29b"/>
+    <ds:schemaRef ds:uri="http://purl.org/dc/dcmitype/"/>
+  </ds:schemaRefs>
+</ds:datastoreItem>
 </file>